--- a/Fundamentacao/Maqueta.pptx
+++ b/Fundamentacao/Maqueta.pptx
@@ -259,7 +259,7 @@
           <a:p>
             <a:fld id="{B06EC84A-EF8F-4AED-8615-B8876BDAD4DC}" type="datetimeFigureOut">
               <a:rPr lang="pt-PT" smtClean="0"/>
-              <a:t>18/02/2019</a:t>
+              <a:t>22/02/19</a:t>
             </a:fld>
             <a:endParaRPr lang="pt-PT"/>
           </a:p>
@@ -457,7 +457,7 @@
           <a:p>
             <a:fld id="{B06EC84A-EF8F-4AED-8615-B8876BDAD4DC}" type="datetimeFigureOut">
               <a:rPr lang="pt-PT" smtClean="0"/>
-              <a:t>18/02/2019</a:t>
+              <a:t>22/02/19</a:t>
             </a:fld>
             <a:endParaRPr lang="pt-PT"/>
           </a:p>
@@ -665,7 +665,7 @@
           <a:p>
             <a:fld id="{B06EC84A-EF8F-4AED-8615-B8876BDAD4DC}" type="datetimeFigureOut">
               <a:rPr lang="pt-PT" smtClean="0"/>
-              <a:t>18/02/2019</a:t>
+              <a:t>22/02/19</a:t>
             </a:fld>
             <a:endParaRPr lang="pt-PT"/>
           </a:p>
@@ -863,7 +863,7 @@
           <a:p>
             <a:fld id="{B06EC84A-EF8F-4AED-8615-B8876BDAD4DC}" type="datetimeFigureOut">
               <a:rPr lang="pt-PT" smtClean="0"/>
-              <a:t>18/02/2019</a:t>
+              <a:t>22/02/19</a:t>
             </a:fld>
             <a:endParaRPr lang="pt-PT"/>
           </a:p>
@@ -1138,7 +1138,7 @@
           <a:p>
             <a:fld id="{B06EC84A-EF8F-4AED-8615-B8876BDAD4DC}" type="datetimeFigureOut">
               <a:rPr lang="pt-PT" smtClean="0"/>
-              <a:t>18/02/2019</a:t>
+              <a:t>22/02/19</a:t>
             </a:fld>
             <a:endParaRPr lang="pt-PT"/>
           </a:p>
@@ -1403,7 +1403,7 @@
           <a:p>
             <a:fld id="{B06EC84A-EF8F-4AED-8615-B8876BDAD4DC}" type="datetimeFigureOut">
               <a:rPr lang="pt-PT" smtClean="0"/>
-              <a:t>18/02/2019</a:t>
+              <a:t>22/02/19</a:t>
             </a:fld>
             <a:endParaRPr lang="pt-PT"/>
           </a:p>
@@ -1815,7 +1815,7 @@
           <a:p>
             <a:fld id="{B06EC84A-EF8F-4AED-8615-B8876BDAD4DC}" type="datetimeFigureOut">
               <a:rPr lang="pt-PT" smtClean="0"/>
-              <a:t>18/02/2019</a:t>
+              <a:t>22/02/19</a:t>
             </a:fld>
             <a:endParaRPr lang="pt-PT"/>
           </a:p>
@@ -1956,7 +1956,7 @@
           <a:p>
             <a:fld id="{B06EC84A-EF8F-4AED-8615-B8876BDAD4DC}" type="datetimeFigureOut">
               <a:rPr lang="pt-PT" smtClean="0"/>
-              <a:t>18/02/2019</a:t>
+              <a:t>22/02/19</a:t>
             </a:fld>
             <a:endParaRPr lang="pt-PT"/>
           </a:p>
@@ -2069,7 +2069,7 @@
           <a:p>
             <a:fld id="{B06EC84A-EF8F-4AED-8615-B8876BDAD4DC}" type="datetimeFigureOut">
               <a:rPr lang="pt-PT" smtClean="0"/>
-              <a:t>18/02/2019</a:t>
+              <a:t>22/02/19</a:t>
             </a:fld>
             <a:endParaRPr lang="pt-PT"/>
           </a:p>
@@ -2380,7 +2380,7 @@
           <a:p>
             <a:fld id="{B06EC84A-EF8F-4AED-8615-B8876BDAD4DC}" type="datetimeFigureOut">
               <a:rPr lang="pt-PT" smtClean="0"/>
-              <a:t>18/02/2019</a:t>
+              <a:t>22/02/19</a:t>
             </a:fld>
             <a:endParaRPr lang="pt-PT"/>
           </a:p>
@@ -2668,7 +2668,7 @@
           <a:p>
             <a:fld id="{B06EC84A-EF8F-4AED-8615-B8876BDAD4DC}" type="datetimeFigureOut">
               <a:rPr lang="pt-PT" smtClean="0"/>
-              <a:t>18/02/2019</a:t>
+              <a:t>22/02/19</a:t>
             </a:fld>
             <a:endParaRPr lang="pt-PT"/>
           </a:p>
@@ -2909,7 +2909,7 @@
           <a:p>
             <a:fld id="{B06EC84A-EF8F-4AED-8615-B8876BDAD4DC}" type="datetimeFigureOut">
               <a:rPr lang="pt-PT" smtClean="0"/>
-              <a:t>18/02/2019</a:t>
+              <a:t>22/02/19</a:t>
             </a:fld>
             <a:endParaRPr lang="pt-PT"/>
           </a:p>
@@ -3761,7 +3761,7 @@
                 <a:latin typeface="Arial" panose="020B0604020202020204" pitchFamily="34" charset="0"/>
                 <a:cs typeface="Arial" panose="020B0604020202020204" pitchFamily="34" charset="0"/>
               </a:rPr>
-              <a:t>Camada de Utilizador</a:t>
+              <a:t>Interface</a:t>
             </a:r>
           </a:p>
         </p:txBody>
@@ -3877,8 +3877,8 @@
         </p:nvSpPr>
         <p:spPr>
           <a:xfrm>
-            <a:off x="9288073" y="2681757"/>
-            <a:ext cx="1475084" cy="307777"/>
+            <a:off x="9495084" y="2667614"/>
+            <a:ext cx="899605" cy="307777"/>
           </a:xfrm>
           <a:prstGeom prst="rect">
             <a:avLst/>
@@ -3901,55 +3901,7 @@
                 <a:latin typeface="Arial" panose="020B0604020202020204" pitchFamily="34" charset="0"/>
                 <a:cs typeface="Arial" panose="020B0604020202020204" pitchFamily="34" charset="0"/>
               </a:rPr>
-              <a:t>Feel</a:t>
-            </a:r>
-            <a:r>
-              <a:rPr lang="pt-PT" sz="1400" b="1" dirty="0">
-                <a:solidFill>
-                  <a:schemeClr val="accent6">
-                    <a:lumMod val="75000"/>
-                  </a:schemeClr>
-                </a:solidFill>
-                <a:latin typeface="Arial" panose="020B0604020202020204" pitchFamily="34" charset="0"/>
-                <a:cs typeface="Arial" panose="020B0604020202020204" pitchFamily="34" charset="0"/>
-              </a:rPr>
-              <a:t> </a:t>
-            </a:r>
-            <a:r>
-              <a:rPr lang="pt-PT" sz="1400" b="1" dirty="0" err="1">
-                <a:solidFill>
-                  <a:schemeClr val="accent6">
-                    <a:lumMod val="75000"/>
-                  </a:schemeClr>
-                </a:solidFill>
-                <a:latin typeface="Arial" panose="020B0604020202020204" pitchFamily="34" charset="0"/>
-                <a:cs typeface="Arial" panose="020B0604020202020204" pitchFamily="34" charset="0"/>
-              </a:rPr>
-              <a:t>The</a:t>
-            </a:r>
-            <a:r>
-              <a:rPr lang="pt-PT" sz="1400" b="1" dirty="0">
-                <a:solidFill>
-                  <a:schemeClr val="accent6">
-                    <a:lumMod val="75000"/>
-                  </a:schemeClr>
-                </a:solidFill>
-                <a:latin typeface="Arial" panose="020B0604020202020204" pitchFamily="34" charset="0"/>
-                <a:cs typeface="Arial" panose="020B0604020202020204" pitchFamily="34" charset="0"/>
-              </a:rPr>
-              <a:t> </a:t>
-            </a:r>
-            <a:r>
-              <a:rPr lang="pt-PT" sz="1400" b="1" dirty="0" err="1">
-                <a:solidFill>
-                  <a:schemeClr val="accent6">
-                    <a:lumMod val="75000"/>
-                  </a:schemeClr>
-                </a:solidFill>
-                <a:latin typeface="Arial" panose="020B0604020202020204" pitchFamily="34" charset="0"/>
-                <a:cs typeface="Arial" panose="020B0604020202020204" pitchFamily="34" charset="0"/>
-              </a:rPr>
-              <a:t>Italian</a:t>
+              <a:t>FeelItaly</a:t>
             </a:r>
             <a:endParaRPr lang="pt-PT" sz="1400" b="1" dirty="0">
               <a:solidFill>
